--- a/프로젝트 구조.pptx
+++ b/프로젝트 구조.pptx
@@ -6,6 +6,7 @@
   </p:sldMasterIdLst>
   <p:sldIdLst>
     <p:sldId id="257" r:id="rId2"/>
+    <p:sldId id="258" r:id="rId3"/>
   </p:sldIdLst>
   <p:sldSz cx="9144000" cy="6858000" type="screen4x3"/>
   <p:notesSz cx="6858000" cy="9144000"/>
@@ -4295,7 +4296,6 @@
               <a:rPr lang="en-US" altLang="ko-KR" sz="1100" dirty="0" smtClean="0"/>
               <a:t>TCP/IP – Server</a:t>
             </a:r>
-            <a:endParaRPr lang="en-US" altLang="ko-KR" sz="1100" dirty="0" smtClean="0"/>
           </a:p>
           <a:p>
             <a:pPr algn="ctr"/>
@@ -4445,6 +4445,344 @@
     <p:extLst>
       <p:ext uri="{BB962C8B-B14F-4D97-AF65-F5344CB8AC3E}">
         <p14:creationId xmlns:p14="http://schemas.microsoft.com/office/powerpoint/2010/main" val="2335058322"/>
+      </p:ext>
+    </p:extLst>
+  </p:cSld>
+  <p:clrMapOvr>
+    <a:masterClrMapping/>
+  </p:clrMapOvr>
+</p:sld>
+</file>
+
+<file path=ppt/slides/slide2.xml><?xml version="1.0" encoding="utf-8"?>
+<p:sld xmlns:a="http://schemas.openxmlformats.org/drawingml/2006/main" xmlns:r="http://schemas.openxmlformats.org/officeDocument/2006/relationships" xmlns:p="http://schemas.openxmlformats.org/presentationml/2006/main">
+  <p:cSld>
+    <p:spTree>
+      <p:nvGrpSpPr>
+        <p:cNvPr id="1" name=""/>
+        <p:cNvGrpSpPr/>
+        <p:nvPr/>
+      </p:nvGrpSpPr>
+      <p:grpSpPr>
+        <a:xfrm>
+          <a:off x="0" y="0"/>
+          <a:ext cx="0" cy="0"/>
+          <a:chOff x="0" y="0"/>
+          <a:chExt cx="0" cy="0"/>
+        </a:xfrm>
+      </p:grpSpPr>
+      <p:sp>
+        <p:nvSpPr>
+          <p:cNvPr id="2" name="TextBox 1"/>
+          <p:cNvSpPr txBox="1"/>
+          <p:nvPr/>
+        </p:nvSpPr>
+        <p:spPr>
+          <a:xfrm>
+            <a:off x="179512" y="260648"/>
+            <a:ext cx="8496944" cy="6186309"/>
+          </a:xfrm>
+          <a:prstGeom prst="rect">
+            <a:avLst/>
+          </a:prstGeom>
+          <a:noFill/>
+        </p:spPr>
+        <p:txBody>
+          <a:bodyPr wrap="square" rtlCol="0">
+            <a:spAutoFit/>
+          </a:bodyPr>
+          <a:lstStyle/>
+          <a:p>
+            <a:r>
+              <a:rPr lang="ko-KR" altLang="en-US" dirty="0" smtClean="0"/>
+              <a:t>준비물</a:t>
+            </a:r>
+            <a:endParaRPr lang="en-US" altLang="ko-KR" dirty="0" smtClean="0"/>
+          </a:p>
+          <a:p>
+            <a:r>
+              <a:rPr lang="en-US" altLang="ko-KR" dirty="0" smtClean="0"/>
+              <a:t>Photo Sensor : 5</a:t>
+            </a:r>
+            <a:r>
+              <a:rPr lang="ko-KR" altLang="en-US" dirty="0" smtClean="0"/>
+              <a:t>개</a:t>
+            </a:r>
+            <a:endParaRPr lang="en-US" altLang="ko-KR" dirty="0" smtClean="0"/>
+          </a:p>
+          <a:p>
+            <a:endParaRPr lang="en-US" altLang="ko-KR" dirty="0" smtClean="0"/>
+          </a:p>
+          <a:p>
+            <a:r>
+              <a:rPr lang="ko-KR" altLang="en-US" dirty="0" smtClean="0"/>
+              <a:t>공통</a:t>
+            </a:r>
+            <a:endParaRPr lang="en-US" altLang="ko-KR" dirty="0" smtClean="0"/>
+          </a:p>
+          <a:p>
+            <a:pPr marL="342900" indent="-342900">
+              <a:buAutoNum type="arabicPeriod"/>
+            </a:pPr>
+            <a:r>
+              <a:rPr lang="ko-KR" altLang="en-US" dirty="0" smtClean="0"/>
+              <a:t>전체 물류 시나리오</a:t>
+            </a:r>
+            <a:r>
+              <a:rPr lang="en-US" altLang="ko-KR" dirty="0" smtClean="0"/>
+              <a:t>.</a:t>
+            </a:r>
+            <a:endParaRPr lang="en-US" altLang="ko-KR" dirty="0"/>
+          </a:p>
+          <a:p>
+            <a:pPr marL="342900" indent="-342900">
+              <a:buAutoNum type="arabicPeriod"/>
+            </a:pPr>
+            <a:r>
+              <a:rPr lang="en-US" altLang="ko-KR" dirty="0" smtClean="0"/>
+              <a:t>MES – </a:t>
+            </a:r>
+            <a:r>
+              <a:rPr lang="ko-KR" altLang="en-US" dirty="0" smtClean="0"/>
+              <a:t>자재 운반 트레일러 간 통신 시나리오</a:t>
+            </a:r>
+            <a:r>
+              <a:rPr lang="en-US" altLang="ko-KR" dirty="0" smtClean="0"/>
+              <a:t>.</a:t>
+            </a:r>
+            <a:endParaRPr lang="en-US" altLang="ko-KR" dirty="0"/>
+          </a:p>
+          <a:p>
+            <a:endParaRPr lang="en-US" altLang="ko-KR" dirty="0" smtClean="0"/>
+          </a:p>
+          <a:p>
+            <a:r>
+              <a:rPr lang="ko-KR" altLang="en-US" dirty="0" err="1" smtClean="0"/>
+              <a:t>아두이노</a:t>
+            </a:r>
+            <a:r>
+              <a:rPr lang="ko-KR" altLang="en-US" dirty="0" smtClean="0"/>
+              <a:t> </a:t>
+            </a:r>
+            <a:r>
+              <a:rPr lang="en-US" altLang="ko-KR" dirty="0" smtClean="0"/>
+              <a:t>( @</a:t>
+            </a:r>
+            <a:r>
+              <a:rPr lang="ko-KR" altLang="en-US" dirty="0" smtClean="0"/>
+              <a:t>임성민</a:t>
+            </a:r>
+            <a:r>
+              <a:rPr lang="en-US" altLang="ko-KR" dirty="0" smtClean="0"/>
+              <a:t>, </a:t>
+            </a:r>
+            <a:r>
+              <a:rPr lang="ko-KR" altLang="en-US" dirty="0" smtClean="0"/>
+              <a:t>조지현 </a:t>
+            </a:r>
+            <a:r>
+              <a:rPr lang="en-US" altLang="ko-KR" dirty="0" smtClean="0"/>
+              <a:t>)</a:t>
+            </a:r>
+            <a:endParaRPr lang="en-US" altLang="ko-KR" dirty="0"/>
+          </a:p>
+          <a:p>
+            <a:pPr marL="342900" indent="-342900">
+              <a:buAutoNum type="arabicPeriod"/>
+            </a:pPr>
+            <a:r>
+              <a:rPr lang="en-US" altLang="ko-KR" dirty="0" smtClean="0"/>
+              <a:t>Photo Sensor </a:t>
+            </a:r>
+            <a:r>
+              <a:rPr lang="ko-KR" altLang="en-US" dirty="0" smtClean="0"/>
+              <a:t>관련 기능 검증 </a:t>
+            </a:r>
+            <a:r>
+              <a:rPr lang="en-US" altLang="ko-KR" dirty="0" smtClean="0"/>
+              <a:t>( </a:t>
+            </a:r>
+            <a:r>
+              <a:rPr lang="ko-KR" altLang="en-US" dirty="0" err="1" smtClean="0"/>
+              <a:t>아두이노</a:t>
+            </a:r>
+            <a:r>
+              <a:rPr lang="ko-KR" altLang="en-US" dirty="0" smtClean="0"/>
+              <a:t> </a:t>
+            </a:r>
+            <a:r>
+              <a:rPr lang="en-US" altLang="ko-KR" dirty="0" smtClean="0"/>
+              <a:t>+ </a:t>
+            </a:r>
+            <a:r>
+              <a:rPr lang="ko-KR" altLang="en-US" dirty="0" smtClean="0"/>
+              <a:t>센서 </a:t>
+            </a:r>
+            <a:r>
+              <a:rPr lang="en-US" altLang="ko-KR" dirty="0" smtClean="0"/>
+              <a:t>: </a:t>
+            </a:r>
+            <a:r>
+              <a:rPr lang="ko-KR" altLang="en-US" dirty="0" smtClean="0"/>
+              <a:t>테스트 코드 </a:t>
+            </a:r>
+            <a:r>
+              <a:rPr lang="en-US" altLang="ko-KR" dirty="0" smtClean="0"/>
+              <a:t>)</a:t>
+            </a:r>
+          </a:p>
+          <a:p>
+            <a:pPr marL="342900" indent="-342900">
+              <a:buAutoNum type="arabicPeriod"/>
+            </a:pPr>
+            <a:r>
+              <a:rPr lang="en-US" altLang="ko-KR" dirty="0" smtClean="0"/>
+              <a:t>WIFI </a:t>
+            </a:r>
+            <a:r>
+              <a:rPr lang="ko-KR" altLang="en-US" dirty="0" smtClean="0"/>
+              <a:t>모듈 관련 접근 및 사용 방법 </a:t>
+            </a:r>
+            <a:endParaRPr lang="en-US" altLang="ko-KR" dirty="0" smtClean="0"/>
+          </a:p>
+          <a:p>
+            <a:pPr marL="342900" indent="-342900">
+              <a:buAutoNum type="arabicPeriod"/>
+            </a:pPr>
+            <a:endParaRPr lang="en-US" altLang="ko-KR" dirty="0"/>
+          </a:p>
+          <a:p>
+            <a:r>
+              <a:rPr lang="en-US" altLang="ko-KR" dirty="0" smtClean="0"/>
+              <a:t>MES ( @</a:t>
+            </a:r>
+            <a:r>
+              <a:rPr lang="ko-KR" altLang="en-US" dirty="0" err="1" smtClean="0"/>
+              <a:t>이수정</a:t>
+            </a:r>
+            <a:r>
+              <a:rPr lang="en-US" altLang="ko-KR" dirty="0" smtClean="0"/>
+              <a:t>, </a:t>
+            </a:r>
+            <a:r>
+              <a:rPr lang="ko-KR" altLang="en-US" dirty="0" smtClean="0"/>
+              <a:t>박선주 </a:t>
+            </a:r>
+            <a:r>
+              <a:rPr lang="en-US" altLang="ko-KR" dirty="0" smtClean="0"/>
+              <a:t>)</a:t>
+            </a:r>
+          </a:p>
+          <a:p>
+            <a:pPr marL="342900" indent="-342900">
+              <a:buAutoNum type="arabicPeriod"/>
+            </a:pPr>
+            <a:r>
+              <a:rPr lang="en-US" altLang="ko-KR" dirty="0" smtClean="0"/>
+              <a:t>C#(Desktop), Web(</a:t>
+            </a:r>
+            <a:r>
+              <a:rPr lang="ko-KR" altLang="en-US" dirty="0" smtClean="0"/>
+              <a:t>핸드폰</a:t>
+            </a:r>
+            <a:r>
+              <a:rPr lang="en-US" altLang="ko-KR" dirty="0" smtClean="0"/>
+              <a:t>) UI </a:t>
+            </a:r>
+            <a:r>
+              <a:rPr lang="ko-KR" altLang="en-US" dirty="0" smtClean="0"/>
+              <a:t>전체 </a:t>
+            </a:r>
+            <a:r>
+              <a:rPr lang="ko-KR" altLang="en-US" dirty="0" err="1" smtClean="0"/>
+              <a:t>컨셉</a:t>
+            </a:r>
+            <a:r>
+              <a:rPr lang="ko-KR" altLang="en-US" dirty="0" smtClean="0"/>
+              <a:t> 자료</a:t>
+            </a:r>
+            <a:r>
+              <a:rPr lang="en-US" altLang="ko-KR" dirty="0" smtClean="0"/>
+              <a:t>.( PPT, </a:t>
+            </a:r>
+            <a:r>
+              <a:rPr lang="ko-KR" altLang="en-US" dirty="0" smtClean="0"/>
+              <a:t>수기</a:t>
+            </a:r>
+            <a:r>
+              <a:rPr lang="en-US" altLang="ko-KR" dirty="0" smtClean="0"/>
+              <a:t> )</a:t>
+            </a:r>
+          </a:p>
+          <a:p>
+            <a:pPr marL="800100" lvl="1" indent="-342900">
+              <a:buAutoNum type="arabicPeriod"/>
+            </a:pPr>
+            <a:r>
+              <a:rPr lang="ko-KR" altLang="en-US" dirty="0" smtClean="0"/>
+              <a:t>데이터 표시 </a:t>
+            </a:r>
+            <a:r>
+              <a:rPr lang="en-US" altLang="ko-KR" dirty="0" smtClean="0"/>
+              <a:t>( </a:t>
+            </a:r>
+            <a:r>
+              <a:rPr lang="ko-KR" altLang="en-US" dirty="0" smtClean="0"/>
+              <a:t>트레일러 위치 및 작업 진행 상황 </a:t>
+            </a:r>
+            <a:r>
+              <a:rPr lang="en-US" altLang="ko-KR" dirty="0" smtClean="0"/>
+              <a:t>)</a:t>
+            </a:r>
+          </a:p>
+          <a:p>
+            <a:pPr marL="800100" lvl="1" indent="-342900">
+              <a:buAutoNum type="arabicPeriod"/>
+            </a:pPr>
+            <a:r>
+              <a:rPr lang="ko-KR" altLang="en-US" dirty="0" smtClean="0"/>
+              <a:t>데이터 입력 </a:t>
+            </a:r>
+            <a:r>
+              <a:rPr lang="en-US" altLang="ko-KR" dirty="0" smtClean="0"/>
+              <a:t>( </a:t>
+            </a:r>
+            <a:r>
+              <a:rPr lang="ko-KR" altLang="en-US" dirty="0" smtClean="0"/>
+              <a:t>불량품 무게 </a:t>
+            </a:r>
+            <a:r>
+              <a:rPr lang="en-US" altLang="ko-KR" dirty="0" smtClean="0"/>
+              <a:t>)</a:t>
+            </a:r>
+          </a:p>
+          <a:p>
+            <a:endParaRPr lang="en-US" altLang="ko-KR" dirty="0" smtClean="0"/>
+          </a:p>
+          <a:p>
+            <a:endParaRPr lang="en-US" altLang="ko-KR" dirty="0" smtClean="0"/>
+          </a:p>
+          <a:p>
+            <a:endParaRPr lang="en-US" altLang="ko-KR" dirty="0"/>
+          </a:p>
+          <a:p>
+            <a:endParaRPr lang="en-US" altLang="ko-KR" dirty="0" smtClean="0"/>
+          </a:p>
+          <a:p>
+            <a:endParaRPr lang="en-US" altLang="ko-KR" dirty="0" smtClean="0"/>
+          </a:p>
+          <a:p>
+            <a:endParaRPr lang="en-US" altLang="ko-KR" dirty="0"/>
+          </a:p>
+          <a:p>
+            <a:endParaRPr lang="en-US" altLang="ko-KR" dirty="0" smtClean="0"/>
+          </a:p>
+        </p:txBody>
+      </p:sp>
+    </p:spTree>
+    <p:extLst>
+      <p:ext uri="{BB962C8B-B14F-4D97-AF65-F5344CB8AC3E}">
+        <p14:creationId xmlns:p14="http://schemas.microsoft.com/office/powerpoint/2010/main" val="2661709026"/>
       </p:ext>
     </p:extLst>
   </p:cSld>
